--- a/2DGP_1.pptx
+++ b/2DGP_1.pptx
@@ -15,6 +15,9 @@
     <p:sldId id="263" r:id="rId9"/>
     <p:sldId id="265" r:id="rId10"/>
     <p:sldId id="266" r:id="rId11"/>
+    <p:sldId id="268" r:id="rId12"/>
+    <p:sldId id="269" r:id="rId13"/>
+    <p:sldId id="267" r:id="rId14"/>
   </p:sldIdLst>
   <p:sldSz cx="18288000" cy="10287000"/>
   <p:notesSz cx="6858000" cy="9144000"/>
@@ -3062,12 +3065,12 @@
 </file>
 
 <file path=ppt/slides/slide1.xml><?xml version="1.0" encoding="utf-8"?>
-<p:sld xmlns:p="http://schemas.openxmlformats.org/presentationml/2006/main" xmlns:a="http://schemas.openxmlformats.org/drawingml/2006/main" xmlns:r="http://schemas.openxmlformats.org/officeDocument/2006/relationships">
+<p:sld xmlns:r="http://schemas.openxmlformats.org/officeDocument/2006/relationships" xmlns:c="http://schemas.openxmlformats.org/drawingml/2006/chart" xmlns:a="http://schemas.openxmlformats.org/drawingml/2006/main" xmlns:dgm="http://schemas.openxmlformats.org/drawingml/2006/diagram" xmlns:dsp="http://schemas.microsoft.com/office/drawing/2008/diagram" xmlns:p="http://schemas.openxmlformats.org/presentationml/2006/main">
   <p:cSld>
     <p:bg>
-      <p:bgPr>
+      <p:bgPr shadeToTitle="0">
         <a:solidFill>
-          <a:srgbClr val="F8F7F5"/>
+          <a:srgbClr val="f8f7f5"/>
         </a:solidFill>
       </p:bgPr>
     </p:bg>
@@ -3271,6 +3274,21 @@
   <p:clrMapOvr>
     <a:masterClrMapping/>
   </p:clrMapOvr>
+  <mc:AlternateContent xmlns:mc="http://schemas.openxmlformats.org/markup-compatibility/2006">
+    <mc:Choice xmlns:p14="http://schemas.microsoft.com/office/powerpoint/2010/main" Requires="p14">
+      <p:transition xmlns:mc="http://schemas.openxmlformats.org/markup-compatibility/2006" xmlns:p14="http://schemas.microsoft.com/office/powerpoint/2010/main" mc:Ignorable="p14" p14:dur="500"/>
+    </mc:Choice>
+    <mc:Fallback>
+      <p:transition/>
+    </mc:Fallback>
+  </mc:AlternateContent>
+  <p:timing>
+    <p:tnLst>
+      <p:par>
+        <p:cTn id="1" dur="indefinite" restart="never" nodeType="tmRoot"/>
+      </p:par>
+    </p:tnLst>
+  </p:timing>
 </p:sld>
 </file>
 
@@ -3378,13 +3396,940 @@
 </p:sld>
 </file>
 
+<file path=ppt/slides/slide11.xml><?xml version="1.0" encoding="utf-8"?>
+<p:sld xmlns:r="http://schemas.openxmlformats.org/officeDocument/2006/relationships" xmlns:c="http://schemas.openxmlformats.org/drawingml/2006/chart" xmlns:a="http://schemas.openxmlformats.org/drawingml/2006/main" xmlns:dgm="http://schemas.openxmlformats.org/drawingml/2006/diagram" xmlns:dsp="http://schemas.microsoft.com/office/drawing/2008/diagram" xmlns:p="http://schemas.openxmlformats.org/presentationml/2006/main">
+  <p:cSld>
+    <p:spTree>
+      <p:nvGrpSpPr>
+        <p:cNvPr id="1" name=""/>
+        <p:cNvGrpSpPr/>
+        <p:nvPr/>
+      </p:nvGrpSpPr>
+      <p:grpSpPr>
+        <a:xfrm>
+          <a:off x="0" y="0"/>
+          <a:ext cx="0" cy="0"/>
+          <a:chOff x="0" y="0"/>
+          <a:chExt cx="0" cy="0"/>
+        </a:xfrm>
+      </p:grpSpPr>
+      <p:sp>
+        <p:nvSpPr>
+          <p:cNvPr id="2" name="Title 1"/>
+          <p:cNvSpPr>
+            <a:spLocks noGrp="1"/>
+          </p:cNvSpPr>
+          <p:nvPr>
+            <p:ph type="title" idx="0"/>
+          </p:nvPr>
+        </p:nvSpPr>
+        <p:spPr>
+          <a:xfrm>
+            <a:off x="2971800" y="266700"/>
+            <a:ext cx="12287250" cy="2072640"/>
+          </a:xfrm>
+        </p:spPr>
+        <p:txBody>
+          <a:bodyPr>
+            <a:noAutofit/>
+          </a:bodyPr>
+          <a:p>
+            <a:pPr lvl="0">
+              <a:defRPr/>
+            </a:pPr>
+            <a:r>
+              <a:rPr lang="ko-KR" altLang="en-US" sz="6500"/>
+              <a:t>세부계획서 </a:t>
+            </a:r>
+            <a:r>
+              <a:rPr lang="en-US" altLang="ko-KR" sz="6500"/>
+              <a:t>-</a:t>
+            </a:r>
+            <a:r>
+              <a:rPr lang="ko-KR" altLang="en-US" sz="6500"/>
+              <a:t> 인트로 등 스토리 </a:t>
+            </a:r>
+            <a:endParaRPr lang="ko-KR" altLang="en-US" sz="6500"/>
+          </a:p>
+        </p:txBody>
+      </p:sp>
+      <p:sp>
+        <p:nvSpPr>
+          <p:cNvPr id="3" name="Content Placeholder 2"/>
+          <p:cNvSpPr>
+            <a:spLocks noGrp="1"/>
+          </p:cNvSpPr>
+          <p:nvPr>
+            <p:ph idx="1"/>
+          </p:nvPr>
+        </p:nvSpPr>
+        <p:spPr>
+          <a:xfrm>
+            <a:off x="914400" y="2400300"/>
+            <a:ext cx="16687800" cy="6629400"/>
+          </a:xfrm>
+        </p:spPr>
+        <p:txBody>
+          <a:bodyPr/>
+          <a:p>
+            <a:pPr marL="0" lvl="0" indent="0">
+              <a:buNone/>
+              <a:defRPr/>
+            </a:pPr>
+            <a:r>
+              <a:rPr lang="ko-KR" altLang="en-US"/>
+              <a:t> </a:t>
+            </a:r>
+            <a:r>
+              <a:rPr lang="en-US" altLang="ko-KR"/>
+              <a:t>-</a:t>
+            </a:r>
+            <a:r>
+              <a:rPr lang="ko-KR" altLang="en-US"/>
+              <a:t> 원작과 완전히 일치하지 않음을 밝힘 </a:t>
+            </a:r>
+            <a:r>
+              <a:rPr lang="en-US" altLang="ko-KR"/>
+              <a:t>-</a:t>
+            </a:r>
+            <a:endParaRPr lang="en-US" altLang="ko-KR"/>
+          </a:p>
+          <a:p>
+            <a:pPr marL="0" lvl="0" indent="0">
+              <a:buNone/>
+              <a:defRPr/>
+            </a:pPr>
+            <a:endParaRPr lang="en-US" altLang="ko-KR"/>
+          </a:p>
+          <a:p>
+            <a:pPr lvl="0">
+              <a:defRPr/>
+            </a:pPr>
+            <a:r>
+              <a:rPr lang="ko-KR" altLang="en-US"/>
+              <a:t>편지 내용 등 인트로</a:t>
+            </a:r>
+            <a:br>
+              <a:rPr lang="ko-KR" altLang="en-US"/>
+            </a:br>
+            <a:r>
+              <a:rPr lang="ko-KR" altLang="en-US"/>
+              <a:t>전쟁 이후의 세계</a:t>
+            </a:r>
+            <a:r>
+              <a:rPr lang="en-US" altLang="ko-KR"/>
+              <a:t>,</a:t>
+            </a:r>
+            <a:r>
+              <a:rPr lang="ko-KR" altLang="en-US"/>
+              <a:t> 전쟁으로 폐허가 된 마을의 이장은 마녀학교에 편지를 쓴다</a:t>
+            </a:r>
+            <a:r>
+              <a:rPr lang="en-US" altLang="ko-KR"/>
+              <a:t>.</a:t>
+            </a:r>
+            <a:r>
+              <a:rPr lang="ko-KR" altLang="en-US"/>
+              <a:t> </a:t>
+            </a:r>
+            <a:br>
+              <a:rPr lang="ko-KR" altLang="en-US"/>
+            </a:br>
+            <a:r>
+              <a:rPr lang="en-US" altLang="ko-KR"/>
+              <a:t>“</a:t>
+            </a:r>
+            <a:r>
+              <a:rPr lang="ko-KR" altLang="en-US"/>
+              <a:t>저희 마을을 일으켜줄 마녀를 보내주십시오</a:t>
+            </a:r>
+            <a:r>
+              <a:rPr lang="en-US" altLang="ko-KR"/>
+              <a:t>.</a:t>
+            </a:r>
+            <a:r>
+              <a:rPr lang="ko-KR" altLang="en-US"/>
+              <a:t> 부탁합니다</a:t>
+            </a:r>
+            <a:r>
+              <a:rPr lang="en-US" altLang="ko-KR"/>
+              <a:t>.”</a:t>
+            </a:r>
+            <a:br>
+              <a:rPr lang="ko-KR" altLang="en-US"/>
+            </a:br>
+            <a:r>
+              <a:rPr lang="ko-KR" altLang="en-US"/>
+              <a:t>해당 편지를 받고 마을로 가게 된 마녀</a:t>
+            </a:r>
+            <a:r>
+              <a:rPr lang="en-US" altLang="ko-KR"/>
+              <a:t>.</a:t>
+            </a:r>
+            <a:r>
+              <a:rPr lang="ko-KR" altLang="en-US"/>
+              <a:t> 마을 외곽의 부서지지 않은 집 한채를 얻어 집으로 삼으며 마을의 회복을 돕는다</a:t>
+            </a:r>
+            <a:r>
+              <a:rPr lang="en-US" altLang="ko-KR"/>
+              <a:t>.</a:t>
+            </a:r>
+            <a:endParaRPr lang="en-US" altLang="ko-KR"/>
+          </a:p>
+          <a:p>
+            <a:pPr lvl="0">
+              <a:defRPr/>
+            </a:pPr>
+            <a:endParaRPr lang="ko-KR" altLang="en-US"/>
+          </a:p>
+          <a:p>
+            <a:pPr lvl="0">
+              <a:defRPr/>
+            </a:pPr>
+            <a:r>
+              <a:rPr lang="ko-KR" altLang="en-US"/>
+              <a:t>엔딩 </a:t>
+            </a:r>
+            <a:r>
+              <a:rPr lang="en-US" altLang="ko-KR"/>
+              <a:t>-</a:t>
+            </a:r>
+            <a:r>
+              <a:rPr lang="ko-KR" altLang="en-US"/>
+              <a:t> 마을이 회복되고</a:t>
+            </a:r>
+            <a:r>
+              <a:rPr lang="en-US" altLang="ko-KR"/>
+              <a:t>,</a:t>
+            </a:r>
+            <a:r>
+              <a:rPr lang="ko-KR" altLang="en-US"/>
+              <a:t> 마녀가 학교로 돌아가며 끝남</a:t>
+            </a:r>
+            <a:r>
+              <a:rPr lang="en-US" altLang="ko-KR"/>
+              <a:t>.</a:t>
+            </a:r>
+            <a:br>
+              <a:rPr lang="ko-KR" altLang="en-US"/>
+            </a:br>
+            <a:endParaRPr lang="ko-KR" altLang="en-US"/>
+          </a:p>
+          <a:p>
+            <a:pPr lvl="0">
+              <a:defRPr/>
+            </a:pPr>
+            <a:endParaRPr lang="en-US" altLang="ko-KR"/>
+          </a:p>
+          <a:p>
+            <a:pPr lvl="0">
+              <a:defRPr/>
+            </a:pPr>
+            <a:endParaRPr lang="ko-KR" altLang="en-US"/>
+          </a:p>
+          <a:p>
+            <a:pPr lvl="0">
+              <a:defRPr/>
+            </a:pPr>
+            <a:endParaRPr lang="ko-KR" altLang="en-US"/>
+          </a:p>
+        </p:txBody>
+      </p:sp>
+    </p:spTree>
+    <p:extLst>
+      <p:ext uri="{BB962C8B-B14F-4D97-AF65-F5344CB8AC3E}">
+        <p14:creationId xmlns:p14="http://schemas.microsoft.com/office/powerpoint/2010/main" val="91161937"/>
+      </p:ext>
+    </p:extLst>
+  </p:cSld>
+  <p:clrMapOvr>
+    <a:masterClrMapping/>
+  </p:clrMapOvr>
+</p:sld>
+</file>
+
+<file path=ppt/slides/slide12.xml><?xml version="1.0" encoding="utf-8"?>
+<p:sld xmlns:r="http://schemas.openxmlformats.org/officeDocument/2006/relationships" xmlns:c="http://schemas.openxmlformats.org/drawingml/2006/chart" xmlns:a="http://schemas.openxmlformats.org/drawingml/2006/main" xmlns:dgm="http://schemas.openxmlformats.org/drawingml/2006/diagram" xmlns:dsp="http://schemas.microsoft.com/office/drawing/2008/diagram" xmlns:p="http://schemas.openxmlformats.org/presentationml/2006/main">
+  <p:cSld>
+    <p:spTree>
+      <p:nvGrpSpPr>
+        <p:cNvPr id="1" name=""/>
+        <p:cNvGrpSpPr/>
+        <p:nvPr/>
+      </p:nvGrpSpPr>
+      <p:grpSpPr>
+        <a:xfrm>
+          <a:off x="0" y="0"/>
+          <a:ext cx="0" cy="0"/>
+          <a:chOff x="0" y="0"/>
+          <a:chExt cx="0" cy="0"/>
+        </a:xfrm>
+      </p:grpSpPr>
+      <p:sp>
+        <p:nvSpPr>
+          <p:cNvPr id="2" name="Title 1"/>
+          <p:cNvSpPr>
+            <a:spLocks noGrp="1"/>
+          </p:cNvSpPr>
+          <p:nvPr>
+            <p:ph type="title" idx="0"/>
+          </p:nvPr>
+        </p:nvSpPr>
+        <p:spPr>
+          <a:xfrm>
+            <a:off x="4114800" y="266700"/>
+            <a:ext cx="10001250" cy="2072640"/>
+          </a:xfrm>
+        </p:spPr>
+        <p:txBody>
+          <a:bodyPr>
+            <a:noAutofit/>
+          </a:bodyPr>
+          <a:p>
+            <a:pPr lvl="0">
+              <a:defRPr/>
+            </a:pPr>
+            <a:r>
+              <a:rPr lang="ko-KR" altLang="en-US" sz="6500"/>
+              <a:t>세부기획서 </a:t>
+            </a:r>
+            <a:r>
+              <a:rPr lang="en-US" altLang="ko-KR" sz="6500"/>
+              <a:t>-</a:t>
+            </a:r>
+            <a:r>
+              <a:rPr lang="ko-KR" altLang="en-US" sz="6500"/>
+              <a:t> 상호작용</a:t>
+            </a:r>
+            <a:endParaRPr lang="ko-KR" altLang="en-US" sz="6500"/>
+          </a:p>
+        </p:txBody>
+      </p:sp>
+      <p:sp>
+        <p:nvSpPr>
+          <p:cNvPr id="3" name="Content Placeholder 2"/>
+          <p:cNvSpPr>
+            <a:spLocks noGrp="1"/>
+          </p:cNvSpPr>
+          <p:nvPr>
+            <p:ph idx="1"/>
+          </p:nvPr>
+        </p:nvSpPr>
+        <p:spPr>
+          <a:xfrm>
+            <a:off x="914400" y="2400300"/>
+            <a:ext cx="16687800" cy="6629400"/>
+          </a:xfrm>
+        </p:spPr>
+        <p:txBody>
+          <a:bodyPr/>
+          <a:p>
+            <a:pPr lvl="0">
+              <a:defRPr/>
+            </a:pPr>
+            <a:r>
+              <a:rPr lang="ko-KR" altLang="en-US"/>
+              <a:t>입력 </a:t>
+            </a:r>
+            <a:r>
+              <a:rPr lang="en-US" altLang="ko-KR"/>
+              <a:t>-</a:t>
+            </a:r>
+            <a:r>
+              <a:rPr lang="ko-KR" altLang="en-US"/>
+              <a:t> </a:t>
+            </a:r>
+            <a:r>
+              <a:rPr lang="en-US" altLang="ko-KR"/>
+              <a:t>wasd</a:t>
+            </a:r>
+            <a:r>
+              <a:rPr lang="ko-KR" altLang="en-US"/>
+              <a:t>로 캐릭터 움직임</a:t>
+            </a:r>
+            <a:r>
+              <a:rPr lang="en-US" altLang="ko-KR"/>
+              <a:t>,</a:t>
+            </a:r>
+            <a:r>
+              <a:rPr lang="ko-KR" altLang="en-US"/>
+              <a:t> </a:t>
+            </a:r>
+            <a:r>
+              <a:rPr lang="en-US" altLang="ko-KR"/>
+              <a:t>e</a:t>
+            </a:r>
+            <a:r>
+              <a:rPr lang="ko-KR" altLang="en-US"/>
+              <a:t>키로 상호작용</a:t>
+            </a:r>
+            <a:r>
+              <a:rPr lang="en-US" altLang="ko-KR"/>
+              <a:t>,</a:t>
+            </a:r>
+            <a:r>
+              <a:rPr lang="ko-KR" altLang="en-US"/>
+              <a:t> </a:t>
+            </a:r>
+            <a:r>
+              <a:rPr lang="en-US" altLang="ko-KR"/>
+              <a:t>tab</a:t>
+            </a:r>
+            <a:r>
+              <a:rPr lang="ko-KR" altLang="en-US"/>
+              <a:t>키로 인벤토리 여닫기</a:t>
+            </a:r>
+            <a:endParaRPr lang="ko-KR" altLang="en-US"/>
+          </a:p>
+          <a:p>
+            <a:pPr lvl="0">
+              <a:defRPr/>
+            </a:pPr>
+            <a:endParaRPr lang="ko-KR" altLang="en-US"/>
+          </a:p>
+          <a:p>
+            <a:pPr lvl="0">
+              <a:defRPr/>
+            </a:pPr>
+            <a:r>
+              <a:rPr lang="ko-KR" altLang="en-US"/>
+              <a:t>마을 이장과의 상호작용이 진행될 예정</a:t>
+            </a:r>
+            <a:r>
+              <a:rPr lang="en-US" altLang="ko-KR"/>
+              <a:t>.</a:t>
+            </a:r>
+            <a:r>
+              <a:rPr lang="ko-KR" altLang="en-US"/>
+              <a:t> </a:t>
+            </a:r>
+            <a:endParaRPr lang="ko-KR" altLang="en-US"/>
+          </a:p>
+          <a:p>
+            <a:pPr lvl="0">
+              <a:defRPr/>
+            </a:pPr>
+            <a:endParaRPr lang="ko-KR" altLang="en-US"/>
+          </a:p>
+          <a:p>
+            <a:pPr lvl="0">
+              <a:defRPr/>
+            </a:pPr>
+            <a:r>
+              <a:rPr lang="ko-KR" altLang="en-US"/>
+              <a:t>마을 이장이 주는 퀘스트를 달성하면 다른 레시피의 잠금이 해제됨</a:t>
+            </a:r>
+            <a:endParaRPr lang="ko-KR" altLang="en-US"/>
+          </a:p>
+          <a:p>
+            <a:pPr lvl="0">
+              <a:defRPr/>
+            </a:pPr>
+            <a:r>
+              <a:rPr lang="en-US" altLang="ko-KR"/>
+              <a:t>ex. “</a:t>
+            </a:r>
+            <a:r>
+              <a:rPr lang="ko-KR" altLang="en-US"/>
+              <a:t>마을사람들이 전쟁 이후 많이 힘들어하고 있어</a:t>
+            </a:r>
+            <a:r>
+              <a:rPr lang="en-US" altLang="ko-KR"/>
+              <a:t>.</a:t>
+            </a:r>
+            <a:r>
+              <a:rPr lang="ko-KR" altLang="en-US"/>
+              <a:t> 회복의 물약 다섯개만 부탁하네</a:t>
+            </a:r>
+            <a:r>
+              <a:rPr lang="en-US" altLang="ko-KR"/>
+              <a:t>”</a:t>
+            </a:r>
+            <a:br>
+              <a:rPr lang="ko-KR" altLang="en-US"/>
+            </a:br>
+            <a:r>
+              <a:rPr lang="en-US" altLang="ko-KR"/>
+              <a:t>=&gt;</a:t>
+            </a:r>
+            <a:r>
+              <a:rPr lang="ko-KR" altLang="en-US"/>
+              <a:t>행복의 주스 레시피 획득</a:t>
+            </a:r>
+            <a:endParaRPr lang="ko-KR" altLang="en-US"/>
+          </a:p>
+        </p:txBody>
+      </p:sp>
+    </p:spTree>
+    <p:extLst>
+      <p:ext uri="{BB962C8B-B14F-4D97-AF65-F5344CB8AC3E}">
+        <p14:creationId xmlns:p14="http://schemas.microsoft.com/office/powerpoint/2010/main" val="3457523069"/>
+      </p:ext>
+    </p:extLst>
+  </p:cSld>
+  <p:clrMapOvr>
+    <a:masterClrMapping/>
+  </p:clrMapOvr>
+</p:sld>
+</file>
+
+<file path=ppt/slides/slide13.xml><?xml version="1.0" encoding="utf-8"?>
+<p:sld xmlns:r="http://schemas.openxmlformats.org/officeDocument/2006/relationships" xmlns:c="http://schemas.openxmlformats.org/drawingml/2006/chart" xmlns:a="http://schemas.openxmlformats.org/drawingml/2006/main" xmlns:dgm="http://schemas.openxmlformats.org/drawingml/2006/diagram" xmlns:dsp="http://schemas.microsoft.com/office/drawing/2008/diagram" xmlns:p="http://schemas.openxmlformats.org/presentationml/2006/main">
+  <p:cSld>
+    <p:spTree>
+      <p:nvGrpSpPr>
+        <p:cNvPr id="1" name=""/>
+        <p:cNvGrpSpPr/>
+        <p:nvPr/>
+      </p:nvGrpSpPr>
+      <p:grpSpPr>
+        <a:xfrm>
+          <a:off x="0" y="0"/>
+          <a:ext cx="0" cy="0"/>
+          <a:chOff x="0" y="0"/>
+          <a:chExt cx="0" cy="0"/>
+        </a:xfrm>
+      </p:grpSpPr>
+      <p:sp>
+        <p:nvSpPr>
+          <p:cNvPr id="2" name="Title 1"/>
+          <p:cNvSpPr>
+            <a:spLocks noGrp="1"/>
+          </p:cNvSpPr>
+          <p:nvPr>
+            <p:ph type="title" idx="0"/>
+          </p:nvPr>
+        </p:nvSpPr>
+        <p:spPr>
+          <a:xfrm>
+            <a:off x="4114800" y="266700"/>
+            <a:ext cx="10001250" cy="2072640"/>
+          </a:xfrm>
+        </p:spPr>
+        <p:txBody>
+          <a:bodyPr>
+            <a:noAutofit/>
+          </a:bodyPr>
+          <a:p>
+            <a:pPr lvl="0">
+              <a:defRPr/>
+            </a:pPr>
+            <a:r>
+              <a:rPr lang="ko-KR" altLang="en-US" sz="6500"/>
+              <a:t>세부기획서 </a:t>
+            </a:r>
+            <a:r>
+              <a:rPr lang="en-US" altLang="ko-KR" sz="6500"/>
+              <a:t>-</a:t>
+            </a:r>
+            <a:r>
+              <a:rPr lang="ko-KR" altLang="en-US" sz="6500"/>
+              <a:t> 제작</a:t>
+            </a:r>
+            <a:endParaRPr lang="ko-KR" altLang="en-US" sz="6500"/>
+          </a:p>
+        </p:txBody>
+      </p:sp>
+      <p:sp>
+        <p:nvSpPr>
+          <p:cNvPr id="3" name="Content Placeholder 2"/>
+          <p:cNvSpPr>
+            <a:spLocks noGrp="1"/>
+          </p:cNvSpPr>
+          <p:nvPr>
+            <p:ph idx="1"/>
+          </p:nvPr>
+        </p:nvSpPr>
+        <p:spPr>
+          <a:xfrm>
+            <a:off x="914400" y="2400300"/>
+            <a:ext cx="16687800" cy="6629400"/>
+          </a:xfrm>
+        </p:spPr>
+        <p:txBody>
+          <a:bodyPr/>
+          <a:p>
+            <a:pPr lvl="0">
+              <a:defRPr/>
+            </a:pPr>
+            <a:r>
+              <a:rPr lang="ko-KR" altLang="en-US"/>
+              <a:t>재료 </a:t>
+            </a:r>
+            <a:r>
+              <a:rPr lang="en-US" altLang="ko-KR"/>
+              <a:t>-</a:t>
+            </a:r>
+            <a:r>
+              <a:rPr lang="ko-KR" altLang="en-US"/>
+              <a:t> 적사과</a:t>
+            </a:r>
+            <a:r>
+              <a:rPr lang="en-US" altLang="ko-KR"/>
+              <a:t>,</a:t>
+            </a:r>
+            <a:r>
+              <a:rPr lang="ko-KR" altLang="en-US"/>
+              <a:t> 청사과</a:t>
+            </a:r>
+            <a:r>
+              <a:rPr lang="en-US" altLang="ko-KR"/>
+              <a:t>,</a:t>
+            </a:r>
+            <a:r>
+              <a:rPr lang="ko-KR" altLang="en-US"/>
+              <a:t> 황금사과</a:t>
+            </a:r>
+            <a:r>
+              <a:rPr lang="en-US" altLang="ko-KR"/>
+              <a:t>,</a:t>
+            </a:r>
+            <a:r>
+              <a:rPr lang="ko-KR" altLang="en-US"/>
+              <a:t> 청포도</a:t>
+            </a:r>
+            <a:r>
+              <a:rPr lang="en-US" altLang="ko-KR"/>
+              <a:t>,</a:t>
+            </a:r>
+            <a:r>
+              <a:rPr lang="ko-KR" altLang="en-US"/>
+              <a:t> 바나나</a:t>
+            </a:r>
+            <a:r>
+              <a:rPr lang="en-US" altLang="ko-KR"/>
+              <a:t>,</a:t>
+            </a:r>
+            <a:r>
+              <a:rPr lang="ko-KR" altLang="en-US"/>
+              <a:t> 많이 익은 바나나</a:t>
+            </a:r>
+            <a:r>
+              <a:rPr lang="en-US" altLang="ko-KR"/>
+              <a:t>,</a:t>
+            </a:r>
+            <a:r>
+              <a:rPr lang="ko-KR" altLang="en-US"/>
+              <a:t> 오렌지</a:t>
+            </a:r>
+            <a:r>
+              <a:rPr lang="en-US" altLang="ko-KR"/>
+              <a:t>,</a:t>
+            </a:r>
+            <a:r>
+              <a:rPr lang="ko-KR" altLang="en-US"/>
+              <a:t> 파인애플</a:t>
+            </a:r>
+            <a:r>
+              <a:rPr lang="en-US" altLang="ko-KR"/>
+              <a:t>,</a:t>
+            </a:r>
+            <a:r>
+              <a:rPr lang="ko-KR" altLang="en-US"/>
+              <a:t> 체리</a:t>
+            </a:r>
+            <a:r>
+              <a:rPr lang="en-US" altLang="ko-KR"/>
+              <a:t>,</a:t>
+            </a:r>
+            <a:r>
+              <a:rPr lang="ko-KR" altLang="en-US"/>
+              <a:t>  레몬</a:t>
+            </a:r>
+            <a:r>
+              <a:rPr lang="en-US" altLang="ko-KR"/>
+              <a:t>,</a:t>
+            </a:r>
+            <a:r>
+              <a:rPr lang="ko-KR" altLang="en-US"/>
+              <a:t> 키위</a:t>
+            </a:r>
+            <a:r>
+              <a:rPr lang="en-US" altLang="ko-KR"/>
+              <a:t>,</a:t>
+            </a:r>
+            <a:r>
+              <a:rPr lang="ko-KR" altLang="en-US"/>
+              <a:t> 용과</a:t>
+            </a:r>
+            <a:r>
+              <a:rPr lang="en-US" altLang="ko-KR"/>
+              <a:t>,</a:t>
+            </a:r>
+            <a:r>
+              <a:rPr lang="ko-KR" altLang="en-US"/>
+              <a:t> 토마토</a:t>
+            </a:r>
+            <a:r>
+              <a:rPr lang="en-US" altLang="ko-KR"/>
+              <a:t>,</a:t>
+            </a:r>
+            <a:r>
+              <a:rPr lang="ko-KR" altLang="en-US"/>
+              <a:t> 파인애플 등</a:t>
+            </a:r>
+            <a:endParaRPr lang="ko-KR" altLang="en-US"/>
+          </a:p>
+          <a:p>
+            <a:pPr lvl="0">
+              <a:defRPr/>
+            </a:pPr>
+            <a:endParaRPr lang="ko-KR" altLang="en-US"/>
+          </a:p>
+          <a:p>
+            <a:pPr lvl="0">
+              <a:defRPr/>
+            </a:pPr>
+            <a:r>
+              <a:rPr lang="ko-KR" altLang="en-US"/>
+              <a:t>레시피 예시</a:t>
+            </a:r>
+            <a:endParaRPr lang="ko-KR" altLang="en-US"/>
+          </a:p>
+          <a:p>
+            <a:pPr marL="0" lvl="0" indent="0">
+              <a:buNone/>
+              <a:defRPr/>
+            </a:pPr>
+            <a:r>
+              <a:rPr lang="en-US" altLang="ko-KR"/>
+              <a:t> - </a:t>
+            </a:r>
+            <a:r>
+              <a:rPr lang="ko-KR" altLang="en-US"/>
+              <a:t>생명의 물약 </a:t>
+            </a:r>
+            <a:r>
+              <a:rPr lang="en-US" altLang="ko-KR"/>
+              <a:t>:</a:t>
+            </a:r>
+            <a:r>
+              <a:rPr lang="ko-KR" altLang="en-US"/>
+              <a:t> 적사과 </a:t>
+            </a:r>
+            <a:r>
+              <a:rPr lang="en-US" altLang="ko-KR"/>
+              <a:t>+</a:t>
+            </a:r>
+            <a:r>
+              <a:rPr lang="ko-KR" altLang="en-US"/>
+              <a:t> 바나나 </a:t>
+            </a:r>
+            <a:r>
+              <a:rPr lang="en-US" altLang="ko-KR"/>
+              <a:t>+</a:t>
+            </a:r>
+            <a:r>
+              <a:rPr lang="ko-KR" altLang="en-US"/>
+              <a:t> 체리 </a:t>
+            </a:r>
+            <a:r>
+              <a:rPr lang="en-US" altLang="ko-KR"/>
+              <a:t>-&gt;</a:t>
+            </a:r>
+            <a:r>
+              <a:rPr lang="ko-KR" altLang="en-US"/>
+              <a:t> 사람들의 기력을 올려준다</a:t>
+            </a:r>
+            <a:r>
+              <a:rPr lang="en-US" altLang="ko-KR"/>
+              <a:t>.</a:t>
+            </a:r>
+            <a:endParaRPr lang="en-US" altLang="ko-KR"/>
+          </a:p>
+          <a:p>
+            <a:pPr marL="0" lvl="0" indent="0">
+              <a:buNone/>
+              <a:defRPr/>
+            </a:pPr>
+            <a:r>
+              <a:rPr lang="ko-KR" altLang="en-US"/>
+              <a:t> </a:t>
+            </a:r>
+            <a:r>
+              <a:rPr lang="en-US" altLang="ko-KR"/>
+              <a:t>-</a:t>
+            </a:r>
+            <a:r>
+              <a:rPr lang="ko-KR" altLang="en-US"/>
+              <a:t> 회복의 묘약 </a:t>
+            </a:r>
+            <a:r>
+              <a:rPr lang="en-US" altLang="ko-KR"/>
+              <a:t>:</a:t>
+            </a:r>
+            <a:r>
+              <a:rPr lang="ko-KR" altLang="en-US"/>
+              <a:t> 많이 익은 바나나 </a:t>
+            </a:r>
+            <a:r>
+              <a:rPr lang="en-US" altLang="ko-KR"/>
+              <a:t>+</a:t>
+            </a:r>
+            <a:r>
+              <a:rPr lang="ko-KR" altLang="en-US"/>
+              <a:t> 토마토 </a:t>
+            </a:r>
+            <a:r>
+              <a:rPr lang="en-US" altLang="ko-KR"/>
+              <a:t>+</a:t>
+            </a:r>
+            <a:r>
+              <a:rPr lang="ko-KR" altLang="en-US"/>
+              <a:t> 용과 </a:t>
+            </a:r>
+            <a:r>
+              <a:rPr lang="en-US" altLang="ko-KR"/>
+              <a:t>-&gt;</a:t>
+            </a:r>
+            <a:r>
+              <a:rPr lang="ko-KR" altLang="en-US"/>
+              <a:t> 아픈 사람을 낫게 해준다</a:t>
+            </a:r>
+            <a:r>
+              <a:rPr lang="en-US" altLang="ko-KR"/>
+              <a:t>.</a:t>
+            </a:r>
+            <a:endParaRPr lang="en-US" altLang="ko-KR"/>
+          </a:p>
+          <a:p>
+            <a:pPr marL="0" lvl="0" indent="0">
+              <a:buNone/>
+              <a:defRPr/>
+            </a:pPr>
+            <a:r>
+              <a:rPr lang="ko-KR" altLang="en-US"/>
+              <a:t> </a:t>
+            </a:r>
+            <a:r>
+              <a:rPr lang="en-US" altLang="ko-KR"/>
+              <a:t>-</a:t>
+            </a:r>
+            <a:r>
+              <a:rPr lang="ko-KR" altLang="en-US"/>
+              <a:t> 활력의 포션 </a:t>
+            </a:r>
+            <a:r>
+              <a:rPr lang="en-US" altLang="ko-KR"/>
+              <a:t>:</a:t>
+            </a:r>
+            <a:r>
+              <a:rPr lang="ko-KR" altLang="en-US"/>
+              <a:t> 청사과 </a:t>
+            </a:r>
+            <a:r>
+              <a:rPr lang="en-US" altLang="ko-KR"/>
+              <a:t>+</a:t>
+            </a:r>
+            <a:r>
+              <a:rPr lang="ko-KR" altLang="en-US"/>
+              <a:t> 레몬 </a:t>
+            </a:r>
+            <a:r>
+              <a:rPr lang="en-US" altLang="ko-KR"/>
+              <a:t>+</a:t>
+            </a:r>
+            <a:r>
+              <a:rPr lang="ko-KR" altLang="en-US"/>
+              <a:t> 키위 </a:t>
+            </a:r>
+            <a:r>
+              <a:rPr lang="en-US" altLang="ko-KR"/>
+              <a:t>-&gt;</a:t>
+            </a:r>
+            <a:r>
+              <a:rPr lang="ko-KR" altLang="en-US"/>
+              <a:t> 사람들의 활력을 올려준다</a:t>
+            </a:r>
+            <a:r>
+              <a:rPr lang="en-US" altLang="ko-KR"/>
+              <a:t>.</a:t>
+            </a:r>
+            <a:endParaRPr lang="en-US" altLang="ko-KR"/>
+          </a:p>
+          <a:p>
+            <a:pPr marL="0" lvl="0" indent="0">
+              <a:buNone/>
+              <a:defRPr/>
+            </a:pPr>
+            <a:r>
+              <a:rPr lang="ko-KR" altLang="en-US"/>
+              <a:t> </a:t>
+            </a:r>
+            <a:r>
+              <a:rPr lang="en-US" altLang="ko-KR"/>
+              <a:t>-</a:t>
+            </a:r>
+            <a:r>
+              <a:rPr lang="ko-KR" altLang="en-US"/>
+              <a:t> 행복의 주스 </a:t>
+            </a:r>
+            <a:r>
+              <a:rPr lang="en-US" altLang="ko-KR"/>
+              <a:t>: </a:t>
+            </a:r>
+            <a:r>
+              <a:rPr lang="ko-KR" altLang="en-US"/>
+              <a:t>청포도 </a:t>
+            </a:r>
+            <a:r>
+              <a:rPr lang="en-US" altLang="ko-KR"/>
+              <a:t>+</a:t>
+            </a:r>
+            <a:r>
+              <a:rPr lang="ko-KR" altLang="en-US"/>
+              <a:t> 오렌지 </a:t>
+            </a:r>
+            <a:r>
+              <a:rPr lang="en-US" altLang="ko-KR"/>
+              <a:t>+</a:t>
+            </a:r>
+            <a:r>
+              <a:rPr lang="ko-KR" altLang="en-US"/>
+              <a:t> 파인애플 </a:t>
+            </a:r>
+            <a:r>
+              <a:rPr lang="en-US" altLang="ko-KR"/>
+              <a:t>-&gt;</a:t>
+            </a:r>
+            <a:r>
+              <a:rPr lang="ko-KR" altLang="en-US"/>
+              <a:t> 사람들의 기분을 좋게해준다</a:t>
+            </a:r>
+            <a:r>
+              <a:rPr lang="en-US" altLang="ko-KR"/>
+              <a:t>.</a:t>
+            </a:r>
+            <a:endParaRPr lang="en-US" altLang="ko-KR"/>
+          </a:p>
+          <a:p>
+            <a:pPr lvl="0">
+              <a:defRPr/>
+            </a:pPr>
+            <a:endParaRPr lang="ko-KR" altLang="en-US"/>
+          </a:p>
+        </p:txBody>
+      </p:sp>
+    </p:spTree>
+    <p:extLst>
+      <p:ext uri="{BB962C8B-B14F-4D97-AF65-F5344CB8AC3E}">
+        <p14:creationId xmlns:p14="http://schemas.microsoft.com/office/powerpoint/2010/main" val="2056441586"/>
+      </p:ext>
+    </p:extLst>
+  </p:cSld>
+  <p:clrMapOvr>
+    <a:masterClrMapping/>
+  </p:clrMapOvr>
+</p:sld>
+</file>
+
 <file path=ppt/slides/slide2.xml><?xml version="1.0" encoding="utf-8"?>
-<p:sld xmlns:p="http://schemas.openxmlformats.org/presentationml/2006/main" xmlns:a="http://schemas.openxmlformats.org/drawingml/2006/main" xmlns:r="http://schemas.openxmlformats.org/officeDocument/2006/relationships">
+<p:sld xmlns:r="http://schemas.openxmlformats.org/officeDocument/2006/relationships" xmlns:c="http://schemas.openxmlformats.org/drawingml/2006/chart" xmlns:a="http://schemas.openxmlformats.org/drawingml/2006/main" xmlns:dgm="http://schemas.openxmlformats.org/drawingml/2006/diagram" xmlns:dsp="http://schemas.microsoft.com/office/drawing/2008/diagram" xmlns:p="http://schemas.openxmlformats.org/presentationml/2006/main">
   <p:cSld>
     <p:bg>
-      <p:bgPr>
+      <p:bgPr shadeToTitle="0">
         <a:solidFill>
-          <a:srgbClr val="F8F7F5"/>
+          <a:srgbClr val="f8f7f5"/>
         </a:solidFill>
       </p:bgPr>
     </p:bg>
@@ -3520,7 +4465,7 @@
           <p:nvPr/>
         </p:nvPicPr>
         <p:blipFill>
-          <a:blip r:embed="rId4"/>
+          <a:blip r:embed="rId6"/>
           <a:stretch>
             <a:fillRect/>
           </a:stretch>
@@ -3544,7 +4489,7 @@
           <p:nvPr/>
         </p:nvPicPr>
         <p:blipFill>
-          <a:blip r:embed="rId5"/>
+          <a:blip r:embed="rId7"/>
           <a:stretch>
             <a:fillRect/>
           </a:stretch>
@@ -3568,7 +4513,7 @@
           <p:nvPr/>
         </p:nvPicPr>
         <p:blipFill>
-          <a:blip r:embed="rId6"/>
+          <a:blip r:embed="rId8"/>
           <a:stretch>
             <a:fillRect/>
           </a:stretch>
@@ -3592,7 +4537,7 @@
           <p:nvPr/>
         </p:nvPicPr>
         <p:blipFill>
-          <a:blip r:embed="rId7"/>
+          <a:blip r:embed="rId9"/>
           <a:stretch>
             <a:fillRect/>
           </a:stretch>
@@ -3616,7 +4561,7 @@
           <p:nvPr/>
         </p:nvPicPr>
         <p:blipFill>
-          <a:blip r:embed="rId8"/>
+          <a:blip r:embed="rId10"/>
           <a:stretch>
             <a:fillRect/>
           </a:stretch>
@@ -3640,7 +4585,7 @@
           <p:nvPr/>
         </p:nvPicPr>
         <p:blipFill>
-          <a:blip r:embed="rId9"/>
+          <a:blip r:embed="rId11"/>
           <a:stretch>
             <a:fillRect/>
           </a:stretch>
@@ -3664,7 +4609,7 @@
           <p:nvPr/>
         </p:nvPicPr>
         <p:blipFill>
-          <a:blip r:embed="rId10"/>
+          <a:blip r:embed="rId12"/>
           <a:stretch>
             <a:fillRect/>
           </a:stretch>
@@ -3688,7 +4633,7 @@
           <p:nvPr/>
         </p:nvPicPr>
         <p:blipFill>
-          <a:blip r:embed="rId11"/>
+          <a:blip r:embed="rId13"/>
           <a:stretch>
             <a:fillRect/>
           </a:stretch>
@@ -3712,7 +4657,7 @@
           <p:nvPr/>
         </p:nvPicPr>
         <p:blipFill>
-          <a:blip r:embed="rId12"/>
+          <a:blip r:embed="rId14"/>
           <a:stretch>
             <a:fillRect/>
           </a:stretch>
@@ -3736,7 +4681,7 @@
           <p:nvPr/>
         </p:nvPicPr>
         <p:blipFill>
-          <a:blip r:embed="rId13"/>
+          <a:blip r:embed="rId15"/>
           <a:stretch>
             <a:fillRect/>
           </a:stretch>
@@ -3756,16 +4701,31 @@
   <p:clrMapOvr>
     <a:masterClrMapping/>
   </p:clrMapOvr>
+  <mc:AlternateContent xmlns:mc="http://schemas.openxmlformats.org/markup-compatibility/2006">
+    <mc:Choice xmlns:p14="http://schemas.microsoft.com/office/powerpoint/2010/main" Requires="p14">
+      <p:transition xmlns:mc="http://schemas.openxmlformats.org/markup-compatibility/2006" xmlns:p14="http://schemas.microsoft.com/office/powerpoint/2010/main" mc:Ignorable="p14" p14:dur="500"/>
+    </mc:Choice>
+    <mc:Fallback>
+      <p:transition/>
+    </mc:Fallback>
+  </mc:AlternateContent>
+  <p:timing>
+    <p:tnLst>
+      <p:par>
+        <p:cTn id="1" dur="indefinite" restart="never" nodeType="tmRoot"/>
+      </p:par>
+    </p:tnLst>
+  </p:timing>
 </p:sld>
 </file>
 
 <file path=ppt/slides/slide3.xml><?xml version="1.0" encoding="utf-8"?>
-<p:sld xmlns:p="http://schemas.openxmlformats.org/presentationml/2006/main" xmlns:a="http://schemas.openxmlformats.org/drawingml/2006/main" xmlns:r="http://schemas.openxmlformats.org/officeDocument/2006/relationships">
+<p:sld xmlns:r="http://schemas.openxmlformats.org/officeDocument/2006/relationships" xmlns:c="http://schemas.openxmlformats.org/drawingml/2006/chart" xmlns:a="http://schemas.openxmlformats.org/drawingml/2006/main" xmlns:dgm="http://schemas.openxmlformats.org/drawingml/2006/diagram" xmlns:dsp="http://schemas.microsoft.com/office/drawing/2008/diagram" xmlns:p="http://schemas.openxmlformats.org/presentationml/2006/main">
   <p:cSld>
     <p:bg>
-      <p:bgPr>
+      <p:bgPr shadeToTitle="0">
         <a:solidFill>
-          <a:srgbClr val="F8F7F5"/>
+          <a:srgbClr val="f8f7f5"/>
         </a:solidFill>
       </p:bgPr>
     </p:bg>
@@ -3958,16 +4918,24 @@
   <p:clrMapOvr>
     <a:masterClrMapping/>
   </p:clrMapOvr>
+  <mc:AlternateContent xmlns:mc="http://schemas.openxmlformats.org/markup-compatibility/2006">
+    <mc:Choice xmlns:p14="http://schemas.microsoft.com/office/powerpoint/2010/main" Requires="p14">
+      <p:transition xmlns:mc="http://schemas.openxmlformats.org/markup-compatibility/2006" xmlns:p14="http://schemas.microsoft.com/office/powerpoint/2010/main" mc:Ignorable="p14" p14:dur="500"/>
+    </mc:Choice>
+    <mc:Fallback>
+      <p:transition/>
+    </mc:Fallback>
+  </mc:AlternateContent>
 </p:sld>
 </file>
 
 <file path=ppt/slides/slide4.xml><?xml version="1.0" encoding="utf-8"?>
-<p:sld xmlns:p="http://schemas.openxmlformats.org/presentationml/2006/main" xmlns:a="http://schemas.openxmlformats.org/drawingml/2006/main" xmlns:r="http://schemas.openxmlformats.org/officeDocument/2006/relationships">
+<p:sld xmlns:r="http://schemas.openxmlformats.org/officeDocument/2006/relationships" xmlns:c="http://schemas.openxmlformats.org/drawingml/2006/chart" xmlns:a="http://schemas.openxmlformats.org/drawingml/2006/main" xmlns:dgm="http://schemas.openxmlformats.org/drawingml/2006/diagram" xmlns:dsp="http://schemas.microsoft.com/office/drawing/2008/diagram" xmlns:p="http://schemas.openxmlformats.org/presentationml/2006/main">
   <p:cSld>
     <p:bg>
-      <p:bgPr>
+      <p:bgPr shadeToTitle="0">
         <a:solidFill>
-          <a:srgbClr val="F8F7F5"/>
+          <a:srgbClr val="f8f7f5"/>
         </a:solidFill>
       </p:bgPr>
     </p:bg>
@@ -4197,16 +5165,31 @@
   <p:clrMapOvr>
     <a:masterClrMapping/>
   </p:clrMapOvr>
+  <mc:AlternateContent xmlns:mc="http://schemas.openxmlformats.org/markup-compatibility/2006">
+    <mc:Choice xmlns:p14="http://schemas.microsoft.com/office/powerpoint/2010/main" Requires="p14">
+      <p:transition xmlns:mc="http://schemas.openxmlformats.org/markup-compatibility/2006" xmlns:p14="http://schemas.microsoft.com/office/powerpoint/2010/main" mc:Ignorable="p14" p14:dur="500"/>
+    </mc:Choice>
+    <mc:Fallback>
+      <p:transition/>
+    </mc:Fallback>
+  </mc:AlternateContent>
+  <p:timing>
+    <p:tnLst>
+      <p:par>
+        <p:cTn id="1" dur="indefinite" restart="never" nodeType="tmRoot"/>
+      </p:par>
+    </p:tnLst>
+  </p:timing>
 </p:sld>
 </file>
 
 <file path=ppt/slides/slide5.xml><?xml version="1.0" encoding="utf-8"?>
-<p:sld xmlns:p="http://schemas.openxmlformats.org/presentationml/2006/main" xmlns:a="http://schemas.openxmlformats.org/drawingml/2006/main" xmlns:r="http://schemas.openxmlformats.org/officeDocument/2006/relationships">
+<p:sld xmlns:r="http://schemas.openxmlformats.org/officeDocument/2006/relationships" xmlns:c="http://schemas.openxmlformats.org/drawingml/2006/chart" xmlns:a="http://schemas.openxmlformats.org/drawingml/2006/main" xmlns:dgm="http://schemas.openxmlformats.org/drawingml/2006/diagram" xmlns:dsp="http://schemas.microsoft.com/office/drawing/2008/diagram" xmlns:p="http://schemas.openxmlformats.org/presentationml/2006/main">
   <p:cSld>
     <p:bg>
-      <p:bgPr>
+      <p:bgPr shadeToTitle="0">
         <a:solidFill>
-          <a:srgbClr val="F8F7F5"/>
+          <a:srgbClr val="f8f7f5"/>
         </a:solidFill>
       </p:bgPr>
     </p:bg>
@@ -4436,6 +5419,14 @@
   <p:clrMapOvr>
     <a:masterClrMapping/>
   </p:clrMapOvr>
+  <mc:AlternateContent xmlns:mc="http://schemas.openxmlformats.org/markup-compatibility/2006">
+    <mc:Choice xmlns:p14="http://schemas.microsoft.com/office/powerpoint/2010/main" Requires="p14">
+      <p:transition xmlns:mc="http://schemas.openxmlformats.org/markup-compatibility/2006" xmlns:p14="http://schemas.microsoft.com/office/powerpoint/2010/main" mc:Ignorable="p14" p14:dur="500"/>
+    </mc:Choice>
+    <mc:Fallback>
+      <p:transition/>
+    </mc:Fallback>
+  </mc:AlternateContent>
 </p:sld>
 </file>
 
